--- a/Cycle_Two/codeblockdiagram.pptx
+++ b/Cycle_Two/codeblockdiagram.pptx
@@ -6,7 +6,6 @@
   </p:sldMasterIdLst>
   <p:sldIdLst>
     <p:sldId id="256" r:id="rId2"/>
-    <p:sldId id="257" r:id="rId3"/>
   </p:sldIdLst>
   <p:sldSz cx="12192000" cy="6858000"/>
   <p:notesSz cx="6858000" cy="9144000"/>
@@ -3599,8 +3598,8 @@
         </p:nvSpPr>
         <p:spPr>
           <a:xfrm>
-            <a:off x="8078343" y="4605147"/>
-            <a:ext cx="2182368" cy="1182624"/>
+            <a:off x="8078343" y="4262246"/>
+            <a:ext cx="2182368" cy="2252853"/>
           </a:xfrm>
           <a:prstGeom prst="rect">
             <a:avLst/>
@@ -3638,6 +3637,13 @@
             <a:r>
               <a:rPr lang="en-US" dirty="0"/>
               <a:t> system</a:t>
+            </a:r>
+          </a:p>
+          <a:p>
+            <a:pPr algn="ctr"/>
+            <a:r>
+              <a:rPr lang="en-US" dirty="0"/>
+              <a:t>(Might Need additional processing)</a:t>
             </a:r>
           </a:p>
         </p:txBody>
@@ -3865,7 +3871,7 @@
         <p:spPr>
           <a:xfrm>
             <a:off x="6633591" y="3867531"/>
-            <a:ext cx="1444752" cy="1328928"/>
+            <a:ext cx="1444752" cy="1521142"/>
           </a:xfrm>
           <a:prstGeom prst="straightConnector1">
             <a:avLst/>
@@ -3928,86 +3934,6 @@
     <p:extLst>
       <p:ext uri="{BB962C8B-B14F-4D97-AF65-F5344CB8AC3E}">
         <p14:creationId xmlns:p14="http://schemas.microsoft.com/office/powerpoint/2010/main" val="3919507583"/>
-      </p:ext>
-    </p:extLst>
-  </p:cSld>
-  <p:clrMapOvr>
-    <a:masterClrMapping/>
-  </p:clrMapOvr>
-</p:sld>
-</file>
-
-<file path=ppt/slides/slide2.xml><?xml version="1.0" encoding="utf-8"?>
-<p:sld xmlns:a="http://schemas.openxmlformats.org/drawingml/2006/main" xmlns:r="http://schemas.openxmlformats.org/officeDocument/2006/relationships" xmlns:p="http://schemas.openxmlformats.org/presentationml/2006/main">
-  <p:cSld>
-    <p:spTree>
-      <p:nvGrpSpPr>
-        <p:cNvPr id="1" name=""/>
-        <p:cNvGrpSpPr/>
-        <p:nvPr/>
-      </p:nvGrpSpPr>
-      <p:grpSpPr>
-        <a:xfrm>
-          <a:off x="0" y="0"/>
-          <a:ext cx="0" cy="0"/>
-          <a:chOff x="0" y="0"/>
-          <a:chExt cx="0" cy="0"/>
-        </a:xfrm>
-      </p:grpSpPr>
-      <p:sp>
-        <p:nvSpPr>
-          <p:cNvPr id="2" name="Title 1">
-            <a:extLst>
-              <a:ext uri="{FF2B5EF4-FFF2-40B4-BE49-F238E27FC236}">
-                <a16:creationId xmlns:a16="http://schemas.microsoft.com/office/drawing/2014/main" id="{957A88D8-8D0B-C54E-9294-190184B4A99A}"/>
-              </a:ext>
-            </a:extLst>
-          </p:cNvPr>
-          <p:cNvSpPr>
-            <a:spLocks noGrp="1"/>
-          </p:cNvSpPr>
-          <p:nvPr>
-            <p:ph type="title"/>
-          </p:nvPr>
-        </p:nvSpPr>
-        <p:spPr/>
-        <p:txBody>
-          <a:bodyPr/>
-          <a:lstStyle/>
-          <a:p>
-            <a:endParaRPr lang="en-US"/>
-          </a:p>
-        </p:txBody>
-      </p:sp>
-      <p:sp>
-        <p:nvSpPr>
-          <p:cNvPr id="3" name="Content Placeholder 2">
-            <a:extLst>
-              <a:ext uri="{FF2B5EF4-FFF2-40B4-BE49-F238E27FC236}">
-                <a16:creationId xmlns:a16="http://schemas.microsoft.com/office/drawing/2014/main" id="{B4598AA8-2B49-2642-8AB0-C66CCC0CB3BE}"/>
-              </a:ext>
-            </a:extLst>
-          </p:cNvPr>
-          <p:cNvSpPr>
-            <a:spLocks noGrp="1"/>
-          </p:cNvSpPr>
-          <p:nvPr>
-            <p:ph idx="1"/>
-          </p:nvPr>
-        </p:nvSpPr>
-        <p:spPr/>
-        <p:txBody>
-          <a:bodyPr/>
-          <a:lstStyle/>
-          <a:p>
-            <a:endParaRPr lang="en-US"/>
-          </a:p>
-        </p:txBody>
-      </p:sp>
-    </p:spTree>
-    <p:extLst>
-      <p:ext uri="{BB962C8B-B14F-4D97-AF65-F5344CB8AC3E}">
-        <p14:creationId xmlns:p14="http://schemas.microsoft.com/office/powerpoint/2010/main" val="55590335"/>
       </p:ext>
     </p:extLst>
   </p:cSld>
